--- a/Week14/03 Pet Park - Global Error Handler.pptx
+++ b/Week14/03 Pet Park - Global Error Handler.pptx
@@ -119,6 +119,50 @@
 </p:presentation>
 </file>
 
+<file path=ppt/changesInfos/changesInfo1.xml><?xml version="1.0" encoding="utf-8"?>
+<pc:chgInfo xmlns:a="http://schemas.openxmlformats.org/drawingml/2006/main" xmlns:r="http://schemas.openxmlformats.org/officeDocument/2006/relationships" xmlns:ac="http://schemas.microsoft.com/office/drawing/2013/main/command" xmlns:pc="http://schemas.microsoft.com/office/powerpoint/2013/main/command">
+  <pc:docChgLst>
+    <pc:chgData name="Chuck Kiefriter" userId="a996b49251c4dfd2" providerId="LiveId" clId="{51D72EDE-6AD4-476D-BCD4-5DFBEE11108A}"/>
+    <pc:docChg chg="modSld">
+      <pc:chgData name="Chuck Kiefriter" userId="a996b49251c4dfd2" providerId="LiveId" clId="{51D72EDE-6AD4-476D-BCD4-5DFBEE11108A}" dt="2024-03-19T23:34:38.830" v="1" actId="14100"/>
+      <pc:docMkLst>
+        <pc:docMk/>
+      </pc:docMkLst>
+      <pc:sldChg chg="modSp mod">
+        <pc:chgData name="Chuck Kiefriter" userId="a996b49251c4dfd2" providerId="LiveId" clId="{51D72EDE-6AD4-476D-BCD4-5DFBEE11108A}" dt="2024-03-19T23:34:09.034" v="0" actId="14100"/>
+        <pc:sldMkLst>
+          <pc:docMk/>
+          <pc:sldMk cId="4094218562" sldId="258"/>
+        </pc:sldMkLst>
+        <pc:spChg chg="mod">
+          <ac:chgData name="Chuck Kiefriter" userId="a996b49251c4dfd2" providerId="LiveId" clId="{51D72EDE-6AD4-476D-BCD4-5DFBEE11108A}" dt="2024-03-19T23:34:09.034" v="0" actId="14100"/>
+          <ac:spMkLst>
+            <pc:docMk/>
+            <pc:sldMk cId="4094218562" sldId="258"/>
+            <ac:spMk id="3" creationId="{7092DF1D-9AF9-9F3D-F3D6-48749D45BC45}"/>
+          </ac:spMkLst>
+        </pc:spChg>
+      </pc:sldChg>
+      <pc:sldChg chg="modSp mod">
+        <pc:chgData name="Chuck Kiefriter" userId="a996b49251c4dfd2" providerId="LiveId" clId="{51D72EDE-6AD4-476D-BCD4-5DFBEE11108A}" dt="2024-03-19T23:34:38.830" v="1" actId="14100"/>
+        <pc:sldMkLst>
+          <pc:docMk/>
+          <pc:sldMk cId="1485991054" sldId="260"/>
+        </pc:sldMkLst>
+        <pc:spChg chg="mod">
+          <ac:chgData name="Chuck Kiefriter" userId="a996b49251c4dfd2" providerId="LiveId" clId="{51D72EDE-6AD4-476D-BCD4-5DFBEE11108A}" dt="2024-03-19T23:34:38.830" v="1" actId="14100"/>
+          <ac:spMkLst>
+            <pc:docMk/>
+            <pc:sldMk cId="1485991054" sldId="260"/>
+            <ac:spMk id="3" creationId="{02249BF0-C0C3-333C-9E39-D21A613A664F}"/>
+          </ac:spMkLst>
+        </pc:spChg>
+      </pc:sldChg>
+    </pc:docChg>
+  </pc:docChgLst>
+</pc:chgInfo>
+</file>
+
 <file path=ppt/slideLayouts/slideLayout1.xml><?xml version="1.0" encoding="utf-8"?>
 <p:sldLayout xmlns:a="http://schemas.openxmlformats.org/drawingml/2006/main" xmlns:r="http://schemas.openxmlformats.org/officeDocument/2006/relationships" xmlns:p="http://schemas.openxmlformats.org/presentationml/2006/main" type="title" preserve="1">
   <p:cSld name="Title Slide">
@@ -250,7 +294,7 @@
           <a:p>
             <a:fld id="{ADC60F31-3928-4615-AB22-146C51A8E985}" type="datetimeFigureOut">
               <a:rPr lang="en-US" smtClean="0"/>
-              <a:t>10/17/2022</a:t>
+              <a:t>3/19/2024</a:t>
             </a:fld>
             <a:endParaRPr lang="en-US"/>
           </a:p>
@@ -420,7 +464,7 @@
           <a:p>
             <a:fld id="{ADC60F31-3928-4615-AB22-146C51A8E985}" type="datetimeFigureOut">
               <a:rPr lang="en-US" smtClean="0"/>
-              <a:t>10/17/2022</a:t>
+              <a:t>3/19/2024</a:t>
             </a:fld>
             <a:endParaRPr lang="en-US"/>
           </a:p>
@@ -600,7 +644,7 @@
           <a:p>
             <a:fld id="{ADC60F31-3928-4615-AB22-146C51A8E985}" type="datetimeFigureOut">
               <a:rPr lang="en-US" smtClean="0"/>
-              <a:t>10/17/2022</a:t>
+              <a:t>3/19/2024</a:t>
             </a:fld>
             <a:endParaRPr lang="en-US"/>
           </a:p>
@@ -770,7 +814,7 @@
           <a:p>
             <a:fld id="{ADC60F31-3928-4615-AB22-146C51A8E985}" type="datetimeFigureOut">
               <a:rPr lang="en-US" smtClean="0"/>
-              <a:t>10/17/2022</a:t>
+              <a:t>3/19/2024</a:t>
             </a:fld>
             <a:endParaRPr lang="en-US"/>
           </a:p>
@@ -1016,7 +1060,7 @@
           <a:p>
             <a:fld id="{ADC60F31-3928-4615-AB22-146C51A8E985}" type="datetimeFigureOut">
               <a:rPr lang="en-US" smtClean="0"/>
-              <a:t>10/17/2022</a:t>
+              <a:t>3/19/2024</a:t>
             </a:fld>
             <a:endParaRPr lang="en-US"/>
           </a:p>
@@ -1248,7 +1292,7 @@
           <a:p>
             <a:fld id="{ADC60F31-3928-4615-AB22-146C51A8E985}" type="datetimeFigureOut">
               <a:rPr lang="en-US" smtClean="0"/>
-              <a:t>10/17/2022</a:t>
+              <a:t>3/19/2024</a:t>
             </a:fld>
             <a:endParaRPr lang="en-US"/>
           </a:p>
@@ -1615,7 +1659,7 @@
           <a:p>
             <a:fld id="{ADC60F31-3928-4615-AB22-146C51A8E985}" type="datetimeFigureOut">
               <a:rPr lang="en-US" smtClean="0"/>
-              <a:t>10/17/2022</a:t>
+              <a:t>3/19/2024</a:t>
             </a:fld>
             <a:endParaRPr lang="en-US"/>
           </a:p>
@@ -1733,7 +1777,7 @@
           <a:p>
             <a:fld id="{ADC60F31-3928-4615-AB22-146C51A8E985}" type="datetimeFigureOut">
               <a:rPr lang="en-US" smtClean="0"/>
-              <a:t>10/17/2022</a:t>
+              <a:t>3/19/2024</a:t>
             </a:fld>
             <a:endParaRPr lang="en-US"/>
           </a:p>
@@ -1828,7 +1872,7 @@
           <a:p>
             <a:fld id="{ADC60F31-3928-4615-AB22-146C51A8E985}" type="datetimeFigureOut">
               <a:rPr lang="en-US" smtClean="0"/>
-              <a:t>10/17/2022</a:t>
+              <a:t>3/19/2024</a:t>
             </a:fld>
             <a:endParaRPr lang="en-US"/>
           </a:p>
@@ -2105,7 +2149,7 @@
           <a:p>
             <a:fld id="{ADC60F31-3928-4615-AB22-146C51A8E985}" type="datetimeFigureOut">
               <a:rPr lang="en-US" smtClean="0"/>
-              <a:t>10/17/2022</a:t>
+              <a:t>3/19/2024</a:t>
             </a:fld>
             <a:endParaRPr lang="en-US"/>
           </a:p>
@@ -2362,7 +2406,7 @@
           <a:p>
             <a:fld id="{ADC60F31-3928-4615-AB22-146C51A8E985}" type="datetimeFigureOut">
               <a:rPr lang="en-US" smtClean="0"/>
-              <a:t>10/17/2022</a:t>
+              <a:t>3/19/2024</a:t>
             </a:fld>
             <a:endParaRPr lang="en-US"/>
           </a:p>
@@ -2575,7 +2619,7 @@
           <a:p>
             <a:fld id="{ADC60F31-3928-4615-AB22-146C51A8E985}" type="datetimeFigureOut">
               <a:rPr lang="en-US" smtClean="0"/>
-              <a:t>10/17/2022</a:t>
+              <a:t>3/19/2024</a:t>
             </a:fld>
             <a:endParaRPr lang="en-US"/>
           </a:p>
@@ -3256,7 +3300,7 @@
         <p:spPr>
           <a:xfrm>
             <a:off x="838200" y="1825625"/>
-            <a:ext cx="5370095" cy="4351338"/>
+            <a:ext cx="11222736" cy="4351338"/>
           </a:xfrm>
         </p:spPr>
         <p:txBody>
@@ -3497,7 +3541,7 @@
         <p:spPr>
           <a:xfrm>
             <a:off x="838200" y="1825625"/>
-            <a:ext cx="5706979" cy="4351338"/>
+            <a:ext cx="10902696" cy="4351338"/>
           </a:xfrm>
         </p:spPr>
         <p:txBody>
